--- a/querying-dbs-with-sql_20200129.pptx
+++ b/querying-dbs-with-sql_20200129.pptx
@@ -162,15 +162,6 @@
     </p:extLst>
   </p:cmAuthor>
 </p:cmAuthorLst>
-</file>
-
-<file path=ppt/revisionInfo.xml><?xml version="1.0" encoding="utf-8"?>
-<p1510:revInfo xmlns:a="http://schemas.openxmlformats.org/drawingml/2006/main" xmlns:r="http://schemas.openxmlformats.org/officeDocument/2006/relationships" xmlns:p1510="http://schemas.microsoft.com/office/powerpoint/2015/10/main">
-  <p1510:revLst>
-    <p1510:client id="{4049D9E5-A5A9-4258-A88A-6AFC9E6327A4}" v="3904" dt="2020-01-29T20:35:10.688"/>
-    <p1510:client id="{A3C2EB35-A5F3-4B16-AB53-36978CEBAD77}" v="1316" dt="2020-01-29T17:02:50.888"/>
-  </p1510:revLst>
-</p1510:revInfo>
 </file>
 
 <file path=ppt/notesMasters/notesMaster1.xml><?xml version="1.0" encoding="utf-8"?>
@@ -18874,46 +18865,6 @@
             <a:r>
               <a:rPr lang="en-US"/>
               <a:t> </a:t>
-            </a:r>
-          </a:p>
-        </p:txBody>
-      </p:sp>
-      <p:sp>
-        <p:nvSpPr>
-          <p:cNvPr id="5" name="TextBox 4">
-            <a:extLst>
-              <a:ext uri="{FF2B5EF4-FFF2-40B4-BE49-F238E27FC236}">
-                <a16:creationId xmlns:a16="http://schemas.microsoft.com/office/drawing/2014/main" id="{7DC6CC53-3764-4AE4-A390-E04D51FDCCFF}"/>
-              </a:ext>
-            </a:extLst>
-          </p:cNvPr>
-          <p:cNvSpPr txBox="1"/>
-          <p:nvPr/>
-        </p:nvSpPr>
-        <p:spPr>
-          <a:xfrm>
-            <a:off x="2381435" y="2352582"/>
-            <a:ext cx="7429130" cy="830997"/>
-          </a:xfrm>
-          <a:prstGeom prst="rect">
-            <a:avLst/>
-          </a:prstGeom>
-          <a:noFill/>
-        </p:spPr>
-        <p:txBody>
-          <a:bodyPr wrap="square" rtlCol="0">
-            <a:spAutoFit/>
-          </a:bodyPr>
-          <a:lstStyle/>
-          <a:p>
-            <a:pPr algn="ctr"/>
-            <a:r>
-              <a:rPr lang="en-US" sz="4800">
-                <a:highlight>
-                  <a:srgbClr val="FFFF00"/>
-                </a:highlight>
-              </a:rPr>
-              <a:t>https://bit.ly/dss_spring2020 </a:t>
             </a:r>
           </a:p>
         </p:txBody>
@@ -27856,15 +27807,15 @@
 <file path=customXml/itemProps3.xml><?xml version="1.0" encoding="utf-8"?>
 <ds:datastoreItem xmlns:ds="http://schemas.openxmlformats.org/officeDocument/2006/customXml" ds:itemID="{BFF3E05C-D009-4F1C-A2F8-C9C9E554A73B}">
   <ds:schemaRefs>
+    <ds:schemaRef ds:uri="http://purl.org/dc/elements/1.1/"/>
+    <ds:schemaRef ds:uri="http://purl.org/dc/dcmitype/"/>
+    <ds:schemaRef ds:uri="http://schemas.microsoft.com/office/2006/documentManagement/types"/>
+    <ds:schemaRef ds:uri="e0c33027-77bc-401f-9a4b-976c3a3312a2"/>
+    <ds:schemaRef ds:uri="http://schemas.microsoft.com/office/infopath/2007/PartnerControls"/>
     <ds:schemaRef ds:uri="http://purl.org/dc/terms/"/>
-    <ds:schemaRef ds:uri="e0c33027-77bc-401f-9a4b-976c3a3312a2"/>
     <ds:schemaRef ds:uri="http://schemas.microsoft.com/office/2006/metadata/properties"/>
     <ds:schemaRef ds:uri="http://schemas.openxmlformats.org/package/2006/metadata/core-properties"/>
-    <ds:schemaRef ds:uri="http://schemas.microsoft.com/office/2006/documentManagement/types"/>
-    <ds:schemaRef ds:uri="http://purl.org/dc/elements/1.1/"/>
-    <ds:schemaRef ds:uri="http://schemas.microsoft.com/office/infopath/2007/PartnerControls"/>
     <ds:schemaRef ds:uri="http://www.w3.org/XML/1998/namespace"/>
-    <ds:schemaRef ds:uri="http://purl.org/dc/dcmitype/"/>
   </ds:schemaRefs>
 </ds:datastoreItem>
 </file>